--- a/20 Димитър Антиов/Защита теория.pptx
+++ b/20 Димитър Антиов/Защита теория.pptx
@@ -224,7 +224,7 @@
           <a:p>
             <a:fld id="{27D7545A-D08E-4DF5-A378-8809D7ECFDDE}" type="datetimeFigureOut">
               <a:rPr lang="bg-BG" smtClean="0"/>
-              <a:t>12.5.2024 г.</a:t>
+              <a:t>14.5.2024 г.</a:t>
             </a:fld>
             <a:endParaRPr lang="bg-BG"/>
           </a:p>
@@ -394,7 +394,7 @@
           <a:p>
             <a:fld id="{1F7D60EE-26AA-4C09-B55F-8384F76E341D}" type="datetimeFigureOut">
               <a:rPr lang="bg-BG" smtClean="0"/>
-              <a:t>12.5.2024 г.</a:t>
+              <a:t>14.5.2024 г.</a:t>
             </a:fld>
             <a:endParaRPr lang="bg-BG"/>
           </a:p>
@@ -730,11 +730,7 @@
           <a:p>
             <a:r>
               <a:rPr lang="ru-RU" dirty="0" smtClean="0"/>
-              <a:t>Темата на моят дипломен проект е </a:t>
-            </a:r>
-            <a:r>
-              <a:rPr lang="ru-RU" dirty="0" smtClean="0"/>
-              <a:t>„Разработване на платформа за резервации на билети  за кино/театър през интернет. Потребителите могат да проверяват датите на представленията/прожекциите, да научат повече за тях и да запазят места</a:t>
+              <a:t>Темата на моят дипломен проект е „Разработване на платформа за резервации на билети  за кино/театър през интернет. Потребителите могат да проверяват датите на представленията/прожекциите, да научат повече за тях и да запазят места</a:t>
             </a:r>
             <a:r>
               <a:rPr lang="en-US" dirty="0" smtClean="0"/>
@@ -851,7 +847,6 @@
               <a:rPr lang="ru-RU" dirty="0" smtClean="0"/>
               <a:t>Една от категоричните тенденции в развитието на софтуера е все по-тясното интегриране с Интернет. Все по-често се разработват и развиват WEB-базираните приложения. Такава е и моята разработка  - разработване на платформа за резервации на билети  за кино/театър през интернет. На примера на един хипотетичен кинотеатър, който  иска да създаде онлайн система за резервация на билети за кино, съм се опитал да покажа как сравнително лесно може да се разработи онлайн приложение.</a:t>
             </a:r>
-            <a:endParaRPr lang="ru-RU" dirty="0" smtClean="0"/>
           </a:p>
         </p:txBody>
       </p:sp>
@@ -962,7 +957,6 @@
               <a:rPr lang="ru-RU" dirty="0" smtClean="0"/>
               <a:t>За решаване на поставената ми задача избрах Django. Това e известен framework за създаване на динамични уеб приложения и сайтове. Базира се на MVC шаблона и е напълно безплатен за ползване и инсталиране. Използваме се за създаването на уеб системи, които трябва да включват разнообразни функционалности. Разработен е и се поддържа от Django Software Foundation. Има огроман общност от програмисти, които доброволно и безвъзмездно съдействат за неговото развитие. </a:t>
             </a:r>
-            <a:endParaRPr lang="ru-RU" dirty="0" smtClean="0"/>
           </a:p>
         </p:txBody>
       </p:sp>
@@ -1151,15 +1145,6 @@
               </a:rPr>
               <a:t>5. Сигурностт: Django включва вградени механизми за защита на уеб приложенията от различни видове атаки.</a:t>
             </a:r>
-            <a:endParaRPr lang="ru-RU" sz="1200" kern="1200" dirty="0" smtClean="0">
-              <a:solidFill>
-                <a:schemeClr val="tx1"/>
-              </a:solidFill>
-              <a:effectLst/>
-              <a:latin typeface="+mn-lt"/>
-              <a:ea typeface="+mn-ea"/>
-              <a:cs typeface="+mn-cs"/>
-            </a:endParaRPr>
           </a:p>
         </p:txBody>
       </p:sp>
@@ -1320,15 +1305,6 @@
               </a:rPr>
               <a:t>За мене беше важно и това, че MySQL лесно се интегрира с Django. Достатъчно е да се инсталира библиотеката mysqlclient.</a:t>
             </a:r>
-            <a:endParaRPr lang="ru-RU" sz="1200" kern="1200" dirty="0" smtClean="0">
-              <a:solidFill>
-                <a:schemeClr val="tx1"/>
-              </a:solidFill>
-              <a:effectLst/>
-              <a:latin typeface="+mn-lt"/>
-              <a:ea typeface="+mn-ea"/>
-              <a:cs typeface="+mn-cs"/>
-            </a:endParaRPr>
           </a:p>
         </p:txBody>
       </p:sp>
@@ -1447,15 +1423,6 @@
               </a:rPr>
               <a:t>Всеки проект на Django създава и използва поне едно приложение. За моя проект аз реших да създам две приложения т.к имам две доста различни групи потрбители – клиенти и персонал на кинотеатъра. Те виждат различни страници и взаимодействат практически само чрез базата данни. Като създавам две приложения в един проект опростявам структурата на проекта. Всяко приложение си има свои изгледи и свои шаблони. Важно, обаче, е да се каже че става дума за приложения в терминологията на Django, а не в общоприетия смисъл на този термин.</a:t>
             </a:r>
-            <a:endParaRPr lang="ru-RU" sz="1200" kern="1200" dirty="0" smtClean="0">
-              <a:solidFill>
-                <a:schemeClr val="tx1"/>
-              </a:solidFill>
-              <a:effectLst/>
-              <a:latin typeface="+mn-lt"/>
-              <a:ea typeface="+mn-ea"/>
-              <a:cs typeface="+mn-cs"/>
-            </a:endParaRPr>
           </a:p>
         </p:txBody>
       </p:sp>
@@ -1572,7 +1539,6 @@
               <a:rPr lang="ru-RU" dirty="0" smtClean="0"/>
               <a:t>А данните в Django са представени от т.н модели – класове описващи таблиците в базата данни. </a:t>
             </a:r>
-            <a:endParaRPr lang="ru-RU" dirty="0" smtClean="0"/>
           </a:p>
         </p:txBody>
       </p:sp>
@@ -1847,8 +1813,16 @@
           </a:p>
           <a:p>
             <a:r>
-              <a:rPr lang="ru-RU" smtClean="0"/>
-              <a:t>Но и във вида, в който е, приложението би могло да се използва</a:t>
+              <a:rPr lang="ru-RU" dirty="0" smtClean="0"/>
+              <a:t>Но и във вида, в който е, приложението би могло да се </a:t>
+            </a:r>
+            <a:r>
+              <a:rPr lang="ru-RU" dirty="0" smtClean="0"/>
+              <a:t>използва</a:t>
+            </a:r>
+            <a:r>
+              <a:rPr lang="en-US" dirty="0" smtClean="0"/>
+              <a:t>.</a:t>
             </a:r>
             <a:endParaRPr lang="ru-RU" dirty="0" smtClean="0"/>
           </a:p>
@@ -2102,7 +2076,7 @@
           <a:p>
             <a:fld id="{35131DE2-218C-4B73-8519-0AC6B795ABB7}" type="datetime1">
               <a:rPr lang="bg-BG" smtClean="0"/>
-              <a:t>12.5.2024 г.</a:t>
+              <a:t>14.5.2024 г.</a:t>
             </a:fld>
             <a:endParaRPr lang="bg-BG"/>
           </a:p>
@@ -2538,7 +2512,7 @@
           <a:p>
             <a:fld id="{67AE9758-D769-4E42-94B1-23A9DCC9867C}" type="datetime1">
               <a:rPr lang="bg-BG" smtClean="0"/>
-              <a:t>12.5.2024 г.</a:t>
+              <a:t>14.5.2024 г.</a:t>
             </a:fld>
             <a:endParaRPr lang="bg-BG"/>
           </a:p>
@@ -2786,7 +2760,7 @@
           <a:p>
             <a:fld id="{361CDE65-46CB-451E-8567-0EF192A9D732}" type="datetime1">
               <a:rPr lang="bg-BG" smtClean="0"/>
-              <a:t>12.5.2024 г.</a:t>
+              <a:t>14.5.2024 г.</a:t>
             </a:fld>
             <a:endParaRPr lang="bg-BG"/>
           </a:p>
@@ -3092,7 +3066,7 @@
           <a:p>
             <a:fld id="{D287CBD5-1E22-4483-96D4-57E0B76752DD}" type="datetime1">
               <a:rPr lang="bg-BG" smtClean="0"/>
-              <a:t>12.5.2024 г.</a:t>
+              <a:t>14.5.2024 г.</a:t>
             </a:fld>
             <a:endParaRPr lang="bg-BG"/>
           </a:p>
@@ -3408,7 +3382,7 @@
           <a:p>
             <a:fld id="{D3094294-E651-4CD3-A3DF-7A7AB89AC69B}" type="datetime1">
               <a:rPr lang="bg-BG" smtClean="0"/>
-              <a:t>12.5.2024 г.</a:t>
+              <a:t>14.5.2024 г.</a:t>
             </a:fld>
             <a:endParaRPr lang="bg-BG"/>
           </a:p>
@@ -3708,7 +3682,7 @@
           <a:p>
             <a:fld id="{932255A1-F527-46F0-99C9-DFA36BA8601D}" type="datetime1">
               <a:rPr lang="bg-BG" smtClean="0"/>
-              <a:t>12.5.2024 г.</a:t>
+              <a:t>14.5.2024 г.</a:t>
             </a:fld>
             <a:endParaRPr lang="bg-BG"/>
           </a:p>
@@ -4073,7 +4047,7 @@
           <a:p>
             <a:fld id="{0E7071DD-522F-4D77-BE61-F38AB7575637}" type="datetime1">
               <a:rPr lang="bg-BG" smtClean="0"/>
-              <a:t>12.5.2024 г.</a:t>
+              <a:t>14.5.2024 г.</a:t>
             </a:fld>
             <a:endParaRPr lang="bg-BG"/>
           </a:p>
@@ -4247,7 +4221,7 @@
           <a:p>
             <a:fld id="{CDC45E06-93C7-43C9-B7FB-34EC0908E527}" type="datetime1">
               <a:rPr lang="bg-BG" smtClean="0"/>
-              <a:t>12.5.2024 г.</a:t>
+              <a:t>14.5.2024 г.</a:t>
             </a:fld>
             <a:endParaRPr lang="bg-BG"/>
           </a:p>
@@ -4427,7 +4401,7 @@
           <a:p>
             <a:fld id="{64A7E241-AB17-460C-B661-3CFB883EB2DA}" type="datetime1">
               <a:rPr lang="bg-BG" smtClean="0"/>
-              <a:t>12.5.2024 г.</a:t>
+              <a:t>14.5.2024 г.</a:t>
             </a:fld>
             <a:endParaRPr lang="bg-BG"/>
           </a:p>
@@ -4597,7 +4571,7 @@
           <a:p>
             <a:fld id="{C21DB74F-2AB8-46EB-BED7-A8C750A71025}" type="datetime1">
               <a:rPr lang="bg-BG" smtClean="0"/>
-              <a:t>12.5.2024 г.</a:t>
+              <a:t>14.5.2024 г.</a:t>
             </a:fld>
             <a:endParaRPr lang="bg-BG"/>
           </a:p>
@@ -4845,7 +4819,7 @@
           <a:p>
             <a:fld id="{2AE1A56C-8EEB-43C4-A8F0-806BF8CF2AEC}" type="datetime1">
               <a:rPr lang="bg-BG" smtClean="0"/>
-              <a:t>12.5.2024 г.</a:t>
+              <a:t>14.5.2024 г.</a:t>
             </a:fld>
             <a:endParaRPr lang="bg-BG"/>
           </a:p>
@@ -5081,7 +5055,7 @@
           <a:p>
             <a:fld id="{02676ED8-EEFC-4B6E-BB5B-436BD000202F}" type="datetime1">
               <a:rPr lang="bg-BG" smtClean="0"/>
-              <a:t>12.5.2024 г.</a:t>
+              <a:t>14.5.2024 г.</a:t>
             </a:fld>
             <a:endParaRPr lang="bg-BG"/>
           </a:p>
@@ -5463,7 +5437,7 @@
           <a:p>
             <a:fld id="{F5F188DB-FD8C-4D18-9FD8-A2D3B5A7C832}" type="datetime1">
               <a:rPr lang="bg-BG" smtClean="0"/>
-              <a:t>12.5.2024 г.</a:t>
+              <a:t>14.5.2024 г.</a:t>
             </a:fld>
             <a:endParaRPr lang="bg-BG"/>
           </a:p>
@@ -5581,7 +5555,7 @@
           <a:p>
             <a:fld id="{E58AF1C6-A3EA-4A59-9FD7-F4A11AE1F98A}" type="datetime1">
               <a:rPr lang="bg-BG" smtClean="0"/>
-              <a:t>12.5.2024 г.</a:t>
+              <a:t>14.5.2024 г.</a:t>
             </a:fld>
             <a:endParaRPr lang="bg-BG"/>
           </a:p>
@@ -5676,7 +5650,7 @@
           <a:p>
             <a:fld id="{53BDAEE0-5349-40EF-B3F5-0BA9A1E1EFEF}" type="datetime1">
               <a:rPr lang="bg-BG" smtClean="0"/>
-              <a:t>12.5.2024 г.</a:t>
+              <a:t>14.5.2024 г.</a:t>
             </a:fld>
             <a:endParaRPr lang="bg-BG"/>
           </a:p>
@@ -5931,7 +5905,7 @@
           <a:p>
             <a:fld id="{64DAFD57-B32E-45D7-95B6-E4EDC9F1E2F7}" type="datetime1">
               <a:rPr lang="bg-BG" smtClean="0"/>
-              <a:t>12.5.2024 г.</a:t>
+              <a:t>14.5.2024 г.</a:t>
             </a:fld>
             <a:endParaRPr lang="bg-BG"/>
           </a:p>
@@ -6214,7 +6188,7 @@
           <a:p>
             <a:fld id="{DBDD5AD2-BC0A-45A8-AC6F-715DE9ECA970}" type="datetime1">
               <a:rPr lang="bg-BG" smtClean="0"/>
-              <a:t>12.5.2024 г.</a:t>
+              <a:t>14.5.2024 г.</a:t>
             </a:fld>
             <a:endParaRPr lang="bg-BG"/>
           </a:p>
@@ -6620,7 +6594,7 @@
           <a:p>
             <a:fld id="{E59B4EEE-A5C8-4A54-856F-C3B6491BFA94}" type="datetime1">
               <a:rPr lang="bg-BG" smtClean="0"/>
-              <a:t>12.5.2024 г.</a:t>
+              <a:t>14.5.2024 г.</a:t>
             </a:fld>
             <a:endParaRPr lang="bg-BG"/>
           </a:p>
@@ -7585,6 +7559,13 @@
   <p:clrMapOvr>
     <a:masterClrMapping/>
   </p:clrMapOvr>
+  <p:timing>
+    <p:tnLst>
+      <p:par>
+        <p:cTn id="1" dur="indefinite" restart="never" nodeType="tmRoot"/>
+      </p:par>
+    </p:tnLst>
+  </p:timing>
 </p:sld>
 </file>
 
@@ -7634,7 +7615,6 @@
               <a:rPr lang="bg-BG" dirty="0"/>
               <a:t>представяне</a:t>
             </a:r>
-            <a:endParaRPr lang="bg-BG" dirty="0"/>
           </a:p>
         </p:txBody>
       </p:sp>
@@ -7648,6 +7628,13 @@
   <p:clrMapOvr>
     <a:masterClrMapping/>
   </p:clrMapOvr>
+  <p:timing>
+    <p:tnLst>
+      <p:par>
+        <p:cTn id="1" dur="indefinite" restart="never" nodeType="tmRoot"/>
+      </p:par>
+    </p:tnLst>
+  </p:timing>
 </p:sld>
 </file>
 
@@ -7698,7 +7685,6 @@
               <a:rPr lang="bg-BG" dirty="0"/>
               <a:t>ключови елементи</a:t>
             </a:r>
-            <a:endParaRPr lang="bg-BG" dirty="0"/>
           </a:p>
         </p:txBody>
       </p:sp>
@@ -7712,6 +7698,13 @@
   <p:clrMapOvr>
     <a:masterClrMapping/>
   </p:clrMapOvr>
+  <p:timing>
+    <p:tnLst>
+      <p:par>
+        <p:cTn id="1" dur="indefinite" restart="never" nodeType="tmRoot"/>
+      </p:par>
+    </p:tnLst>
+  </p:timing>
 </p:sld>
 </file>
 
@@ -7758,7 +7751,6 @@
               <a:rPr lang="bg-BG" dirty="0"/>
               <a:t>Бази Данни - въведение</a:t>
             </a:r>
-            <a:endParaRPr lang="bg-BG" dirty="0"/>
           </a:p>
         </p:txBody>
       </p:sp>
@@ -7772,6 +7764,13 @@
   <p:clrMapOvr>
     <a:masterClrMapping/>
   </p:clrMapOvr>
+  <p:timing>
+    <p:tnLst>
+      <p:par>
+        <p:cTn id="1" dur="indefinite" restart="never" nodeType="tmRoot"/>
+      </p:par>
+    </p:tnLst>
+  </p:timing>
 </p:sld>
 </file>
 
@@ -7817,7 +7816,6 @@
               <a:rPr lang="bg-BG" dirty="0"/>
               <a:t>Структура</a:t>
             </a:r>
-            <a:endParaRPr lang="bg-BG" dirty="0"/>
           </a:p>
         </p:txBody>
       </p:sp>
@@ -7831,6 +7829,13 @@
   <p:clrMapOvr>
     <a:masterClrMapping/>
   </p:clrMapOvr>
+  <p:timing>
+    <p:tnLst>
+      <p:par>
+        <p:cTn id="1" dur="indefinite" restart="never" nodeType="tmRoot"/>
+      </p:par>
+    </p:tnLst>
+  </p:timing>
 </p:sld>
 </file>
 
@@ -7876,7 +7881,6 @@
               <a:rPr lang="bg-BG" dirty="0"/>
               <a:t>Изгледи и модели</a:t>
             </a:r>
-            <a:endParaRPr lang="bg-BG" dirty="0"/>
           </a:p>
         </p:txBody>
       </p:sp>
@@ -7890,6 +7894,13 @@
   <p:clrMapOvr>
     <a:masterClrMapping/>
   </p:clrMapOvr>
+  <p:timing>
+    <p:tnLst>
+      <p:par>
+        <p:cTn id="1" dur="indefinite" restart="never" nodeType="tmRoot"/>
+      </p:par>
+    </p:tnLst>
+  </p:timing>
 </p:sld>
 </file>
 
@@ -7949,6 +7960,13 @@
   <p:clrMapOvr>
     <a:masterClrMapping/>
   </p:clrMapOvr>
+  <p:timing>
+    <p:tnLst>
+      <p:par>
+        <p:cTn id="1" dur="indefinite" restart="never" nodeType="tmRoot"/>
+      </p:par>
+    </p:tnLst>
+  </p:timing>
 </p:sld>
 </file>
 
@@ -8008,6 +8026,13 @@
   <p:clrMapOvr>
     <a:masterClrMapping/>
   </p:clrMapOvr>
+  <p:timing>
+    <p:tnLst>
+      <p:par>
+        <p:cTn id="1" dur="indefinite" restart="never" nodeType="tmRoot"/>
+      </p:par>
+    </p:tnLst>
+  </p:timing>
 </p:sld>
 </file>
 
